--- a/PowerPoint_10.20.pptx
+++ b/PowerPoint_10.20.pptx
@@ -5,7 +5,7 @@
     <p:sldMasterId id="2147483648" r:id="rId1"/>
   </p:sldMasterIdLst>
   <p:notesMasterIdLst>
-    <p:notesMasterId r:id="rId14"/>
+    <p:notesMasterId r:id="rId16"/>
   </p:notesMasterIdLst>
   <p:sldIdLst>
     <p:sldId id="256" r:id="rId2"/>
@@ -18,8 +18,10 @@
     <p:sldId id="264" r:id="rId9"/>
     <p:sldId id="265" r:id="rId10"/>
     <p:sldId id="266" r:id="rId11"/>
-    <p:sldId id="261" r:id="rId12"/>
-    <p:sldId id="262" r:id="rId13"/>
+    <p:sldId id="268" r:id="rId12"/>
+    <p:sldId id="269" r:id="rId13"/>
+    <p:sldId id="261" r:id="rId14"/>
+    <p:sldId id="262" r:id="rId15"/>
   </p:sldIdLst>
   <p:sldSz cx="12192000" cy="6858000"/>
   <p:notesSz cx="6858000" cy="9144000"/>
@@ -208,7 +210,7 @@
           <a:p>
             <a:fld id="{C348A8F7-18C9-4143-A674-532C1BFEF235}" type="datetimeFigureOut">
               <a:rPr lang="en-US" smtClean="0"/>
-              <a:t>10/20/2019</a:t>
+              <a:t>10/21/2019</a:t>
             </a:fld>
             <a:endParaRPr lang="en-US"/>
           </a:p>
@@ -955,7 +957,7 @@
           <a:p>
             <a:fld id="{0DDE3B02-0EC9-4D88-B305-CAC52CC8C272}" type="datetimeFigureOut">
               <a:rPr lang="en-US" smtClean="0"/>
-              <a:t>10/20/2019</a:t>
+              <a:t>10/21/2019</a:t>
             </a:fld>
             <a:endParaRPr lang="en-US"/>
           </a:p>
@@ -1153,7 +1155,7 @@
           <a:p>
             <a:fld id="{0DDE3B02-0EC9-4D88-B305-CAC52CC8C272}" type="datetimeFigureOut">
               <a:rPr lang="en-US" smtClean="0"/>
-              <a:t>10/20/2019</a:t>
+              <a:t>10/21/2019</a:t>
             </a:fld>
             <a:endParaRPr lang="en-US"/>
           </a:p>
@@ -1361,7 +1363,7 @@
           <a:p>
             <a:fld id="{0DDE3B02-0EC9-4D88-B305-CAC52CC8C272}" type="datetimeFigureOut">
               <a:rPr lang="en-US" smtClean="0"/>
-              <a:t>10/20/2019</a:t>
+              <a:t>10/21/2019</a:t>
             </a:fld>
             <a:endParaRPr lang="en-US"/>
           </a:p>
@@ -1559,7 +1561,7 @@
           <a:p>
             <a:fld id="{0DDE3B02-0EC9-4D88-B305-CAC52CC8C272}" type="datetimeFigureOut">
               <a:rPr lang="en-US" smtClean="0"/>
-              <a:t>10/20/2019</a:t>
+              <a:t>10/21/2019</a:t>
             </a:fld>
             <a:endParaRPr lang="en-US"/>
           </a:p>
@@ -1834,7 +1836,7 @@
           <a:p>
             <a:fld id="{0DDE3B02-0EC9-4D88-B305-CAC52CC8C272}" type="datetimeFigureOut">
               <a:rPr lang="en-US" smtClean="0"/>
-              <a:t>10/20/2019</a:t>
+              <a:t>10/21/2019</a:t>
             </a:fld>
             <a:endParaRPr lang="en-US"/>
           </a:p>
@@ -2099,7 +2101,7 @@
           <a:p>
             <a:fld id="{0DDE3B02-0EC9-4D88-B305-CAC52CC8C272}" type="datetimeFigureOut">
               <a:rPr lang="en-US" smtClean="0"/>
-              <a:t>10/20/2019</a:t>
+              <a:t>10/21/2019</a:t>
             </a:fld>
             <a:endParaRPr lang="en-US"/>
           </a:p>
@@ -2511,7 +2513,7 @@
           <a:p>
             <a:fld id="{0DDE3B02-0EC9-4D88-B305-CAC52CC8C272}" type="datetimeFigureOut">
               <a:rPr lang="en-US" smtClean="0"/>
-              <a:t>10/20/2019</a:t>
+              <a:t>10/21/2019</a:t>
             </a:fld>
             <a:endParaRPr lang="en-US"/>
           </a:p>
@@ -2652,7 +2654,7 @@
           <a:p>
             <a:fld id="{0DDE3B02-0EC9-4D88-B305-CAC52CC8C272}" type="datetimeFigureOut">
               <a:rPr lang="en-US" smtClean="0"/>
-              <a:t>10/20/2019</a:t>
+              <a:t>10/21/2019</a:t>
             </a:fld>
             <a:endParaRPr lang="en-US"/>
           </a:p>
@@ -2765,7 +2767,7 @@
           <a:p>
             <a:fld id="{0DDE3B02-0EC9-4D88-B305-CAC52CC8C272}" type="datetimeFigureOut">
               <a:rPr lang="en-US" smtClean="0"/>
-              <a:t>10/20/2019</a:t>
+              <a:t>10/21/2019</a:t>
             </a:fld>
             <a:endParaRPr lang="en-US"/>
           </a:p>
@@ -3076,7 +3078,7 @@
           <a:p>
             <a:fld id="{0DDE3B02-0EC9-4D88-B305-CAC52CC8C272}" type="datetimeFigureOut">
               <a:rPr lang="en-US" smtClean="0"/>
-              <a:t>10/20/2019</a:t>
+              <a:t>10/21/2019</a:t>
             </a:fld>
             <a:endParaRPr lang="en-US"/>
           </a:p>
@@ -3364,7 +3366,7 @@
           <a:p>
             <a:fld id="{0DDE3B02-0EC9-4D88-B305-CAC52CC8C272}" type="datetimeFigureOut">
               <a:rPr lang="en-US" smtClean="0"/>
-              <a:t>10/20/2019</a:t>
+              <a:t>10/21/2019</a:t>
             </a:fld>
             <a:endParaRPr lang="en-US"/>
           </a:p>
@@ -3605,7 +3607,7 @@
           <a:p>
             <a:fld id="{0DDE3B02-0EC9-4D88-B305-CAC52CC8C272}" type="datetimeFigureOut">
               <a:rPr lang="en-US" smtClean="0"/>
-              <a:t>10/20/2019</a:t>
+              <a:t>10/21/2019</a:t>
             </a:fld>
             <a:endParaRPr lang="en-US"/>
           </a:p>
@@ -4194,6 +4196,140 @@
           <a:chExt cx="0" cy="0"/>
         </a:xfrm>
       </p:grpSpPr>
+      <p:pic>
+        <p:nvPicPr>
+          <p:cNvPr id="5" name="Content Placeholder 4" descr="A screenshot of a cell phone&#10;&#10;Description automatically generated">
+            <a:extLst>
+              <a:ext uri="{FF2B5EF4-FFF2-40B4-BE49-F238E27FC236}">
+                <a16:creationId xmlns:a16="http://schemas.microsoft.com/office/drawing/2014/main" id="{A64041D7-4DA6-4D6B-9C63-FAF0A2D5D574}"/>
+              </a:ext>
+            </a:extLst>
+          </p:cNvPr>
+          <p:cNvPicPr>
+            <a:picLocks noGrp="1" noChangeAspect="1"/>
+          </p:cNvPicPr>
+          <p:nvPr>
+            <p:ph idx="1"/>
+          </p:nvPr>
+        </p:nvPicPr>
+        <p:blipFill>
+          <a:blip r:embed="rId2">
+            <a:extLst>
+              <a:ext uri="{28A0092B-C50C-407E-A947-70E740481C1C}">
+                <a14:useLocalDpi xmlns:a14="http://schemas.microsoft.com/office/drawing/2010/main" val="0"/>
+              </a:ext>
+            </a:extLst>
+          </a:blip>
+          <a:stretch>
+            <a:fillRect/>
+          </a:stretch>
+        </p:blipFill>
+        <p:spPr>
+          <a:xfrm>
+            <a:off x="817418" y="141339"/>
+            <a:ext cx="10557163" cy="6334298"/>
+          </a:xfrm>
+          <a:prstGeom prst="rect">
+            <a:avLst/>
+          </a:prstGeom>
+          <a:noFill/>
+        </p:spPr>
+      </p:pic>
+    </p:spTree>
+    <p:extLst>
+      <p:ext uri="{BB962C8B-B14F-4D97-AF65-F5344CB8AC3E}">
+        <p14:creationId xmlns:p14="http://schemas.microsoft.com/office/powerpoint/2010/main" val="1551600790"/>
+      </p:ext>
+    </p:extLst>
+  </p:cSld>
+  <p:clrMapOvr>
+    <a:masterClrMapping/>
+  </p:clrMapOvr>
+</p:sld>
+</file>
+
+<file path=ppt/slides/slide12.xml><?xml version="1.0" encoding="utf-8"?>
+<p:sld xmlns:a="http://schemas.openxmlformats.org/drawingml/2006/main" xmlns:r="http://schemas.openxmlformats.org/officeDocument/2006/relationships" xmlns:p="http://schemas.openxmlformats.org/presentationml/2006/main">
+  <p:cSld>
+    <p:spTree>
+      <p:nvGrpSpPr>
+        <p:cNvPr id="1" name=""/>
+        <p:cNvGrpSpPr/>
+        <p:nvPr/>
+      </p:nvGrpSpPr>
+      <p:grpSpPr>
+        <a:xfrm>
+          <a:off x="0" y="0"/>
+          <a:ext cx="0" cy="0"/>
+          <a:chOff x="0" y="0"/>
+          <a:chExt cx="0" cy="0"/>
+        </a:xfrm>
+      </p:grpSpPr>
+      <p:pic>
+        <p:nvPicPr>
+          <p:cNvPr id="5" name="Content Placeholder 4" descr="A screenshot of a computer&#10;&#10;Description automatically generated">
+            <a:extLst>
+              <a:ext uri="{FF2B5EF4-FFF2-40B4-BE49-F238E27FC236}">
+                <a16:creationId xmlns:a16="http://schemas.microsoft.com/office/drawing/2014/main" id="{7996E4E5-9876-41DD-8EF8-315E07AFB815}"/>
+              </a:ext>
+            </a:extLst>
+          </p:cNvPr>
+          <p:cNvPicPr>
+            <a:picLocks noGrp="1" noChangeAspect="1"/>
+          </p:cNvPicPr>
+          <p:nvPr>
+            <p:ph idx="1"/>
+          </p:nvPr>
+        </p:nvPicPr>
+        <p:blipFill>
+          <a:blip r:embed="rId2">
+            <a:extLst>
+              <a:ext uri="{28A0092B-C50C-407E-A947-70E740481C1C}">
+                <a14:useLocalDpi xmlns:a14="http://schemas.microsoft.com/office/drawing/2010/main" val="0"/>
+              </a:ext>
+            </a:extLst>
+          </a:blip>
+          <a:stretch>
+            <a:fillRect/>
+          </a:stretch>
+        </p:blipFill>
+        <p:spPr>
+          <a:xfrm>
+            <a:off x="799438" y="148590"/>
+            <a:ext cx="10593123" cy="6355874"/>
+          </a:xfrm>
+        </p:spPr>
+      </p:pic>
+    </p:spTree>
+    <p:extLst>
+      <p:ext uri="{BB962C8B-B14F-4D97-AF65-F5344CB8AC3E}">
+        <p14:creationId xmlns:p14="http://schemas.microsoft.com/office/powerpoint/2010/main" val="2647124814"/>
+      </p:ext>
+    </p:extLst>
+  </p:cSld>
+  <p:clrMapOvr>
+    <a:masterClrMapping/>
+  </p:clrMapOvr>
+</p:sld>
+</file>
+
+<file path=ppt/slides/slide13.xml><?xml version="1.0" encoding="utf-8"?>
+<p:sld xmlns:a="http://schemas.openxmlformats.org/drawingml/2006/main" xmlns:r="http://schemas.openxmlformats.org/officeDocument/2006/relationships" xmlns:p="http://schemas.openxmlformats.org/presentationml/2006/main">
+  <p:cSld>
+    <p:spTree>
+      <p:nvGrpSpPr>
+        <p:cNvPr id="1" name=""/>
+        <p:cNvGrpSpPr/>
+        <p:nvPr/>
+      </p:nvGrpSpPr>
+      <p:grpSpPr>
+        <a:xfrm>
+          <a:off x="0" y="0"/>
+          <a:ext cx="0" cy="0"/>
+          <a:chOff x="0" y="0"/>
+          <a:chExt cx="0" cy="0"/>
+        </a:xfrm>
+      </p:grpSpPr>
       <p:sp>
         <p:nvSpPr>
           <p:cNvPr id="2" name="Title 1">
@@ -4275,7 +4411,7 @@
 </p:sld>
 </file>
 
-<file path=ppt/slides/slide12.xml><?xml version="1.0" encoding="utf-8"?>
+<file path=ppt/slides/slide14.xml><?xml version="1.0" encoding="utf-8"?>
 <p:sld xmlns:a="http://schemas.openxmlformats.org/drawingml/2006/main" xmlns:r="http://schemas.openxmlformats.org/officeDocument/2006/relationships" xmlns:p="http://schemas.openxmlformats.org/presentationml/2006/main">
   <p:cSld>
     <p:spTree>
